--- a/Journal/DolgogiAdventure 기획서 v 0.1.1.pptx
+++ b/Journal/DolgogiAdventure 기획서 v 0.1.1.pptx
@@ -10496,7 +10496,7 @@
         </p:spPr>
         <p:txBody>
           <a:bodyPr vert="horz" lIns="91440" tIns="45720" rIns="91440" bIns="45720" rtlCol="0">
-            <a:normAutofit lnSpcReduction="10000"/>
+            <a:normAutofit fontScale="92500" lnSpcReduction="20000"/>
           </a:bodyPr>
           <a:lstStyle>
             <a:lvl1pPr marL="228600" indent="-228600" algn="l" defTabSz="914400" rtl="0" eaLnBrk="1" latinLnBrk="1" hangingPunct="1">
@@ -10776,6 +10776,20 @@
               <a:t>아 리소스는 언제만들지</a:t>
             </a:r>
             <a:endParaRPr lang="en-US" altLang="ko-KR" sz="2200"/>
+          </a:p>
+          <a:p>
+            <a:pPr>
+              <a:buFontTx/>
+              <a:buChar char="-"/>
+            </a:pPr>
+            <a:r>
+              <a:rPr lang="ko-KR" altLang="en-US" sz="2200"/>
+              <a:t>자세한건 깃헙에 일지로 기록해 두었음</a:t>
+            </a:r>
+            <a:r>
+              <a:rPr lang="en-US" altLang="ko-KR" sz="2200"/>
+              <a:t>.</a:t>
+            </a:r>
           </a:p>
         </p:txBody>
       </p:sp>

--- a/Journal/DolgogiAdventure 기획서 v 0.1.1.pptx
+++ b/Journal/DolgogiAdventure 기획서 v 0.1.1.pptx
@@ -281,7 +281,7 @@
           <a:p>
             <a:fld id="{FA6561B1-A93D-4399-81D0-0AF9DEF275B0}" type="datetimeFigureOut">
               <a:rPr lang="ko-KR" altLang="en-US" smtClean="0"/>
-              <a:t>2019-12-02</a:t>
+              <a:t>2019-12-20</a:t>
             </a:fld>
             <a:endParaRPr lang="ko-KR" altLang="en-US"/>
           </a:p>
@@ -479,7 +479,7 @@
           <a:p>
             <a:fld id="{FA6561B1-A93D-4399-81D0-0AF9DEF275B0}" type="datetimeFigureOut">
               <a:rPr lang="ko-KR" altLang="en-US" smtClean="0"/>
-              <a:t>2019-12-02</a:t>
+              <a:t>2019-12-20</a:t>
             </a:fld>
             <a:endParaRPr lang="ko-KR" altLang="en-US"/>
           </a:p>
@@ -687,7 +687,7 @@
           <a:p>
             <a:fld id="{FA6561B1-A93D-4399-81D0-0AF9DEF275B0}" type="datetimeFigureOut">
               <a:rPr lang="ko-KR" altLang="en-US" smtClean="0"/>
-              <a:t>2019-12-02</a:t>
+              <a:t>2019-12-20</a:t>
             </a:fld>
             <a:endParaRPr lang="ko-KR" altLang="en-US"/>
           </a:p>
@@ -885,7 +885,7 @@
           <a:p>
             <a:fld id="{FA6561B1-A93D-4399-81D0-0AF9DEF275B0}" type="datetimeFigureOut">
               <a:rPr lang="ko-KR" altLang="en-US" smtClean="0"/>
-              <a:t>2019-12-02</a:t>
+              <a:t>2019-12-20</a:t>
             </a:fld>
             <a:endParaRPr lang="ko-KR" altLang="en-US"/>
           </a:p>
@@ -1160,7 +1160,7 @@
           <a:p>
             <a:fld id="{FA6561B1-A93D-4399-81D0-0AF9DEF275B0}" type="datetimeFigureOut">
               <a:rPr lang="ko-KR" altLang="en-US" smtClean="0"/>
-              <a:t>2019-12-02</a:t>
+              <a:t>2019-12-20</a:t>
             </a:fld>
             <a:endParaRPr lang="ko-KR" altLang="en-US"/>
           </a:p>
@@ -1425,7 +1425,7 @@
           <a:p>
             <a:fld id="{FA6561B1-A93D-4399-81D0-0AF9DEF275B0}" type="datetimeFigureOut">
               <a:rPr lang="ko-KR" altLang="en-US" smtClean="0"/>
-              <a:t>2019-12-02</a:t>
+              <a:t>2019-12-20</a:t>
             </a:fld>
             <a:endParaRPr lang="ko-KR" altLang="en-US"/>
           </a:p>
@@ -1837,7 +1837,7 @@
           <a:p>
             <a:fld id="{FA6561B1-A93D-4399-81D0-0AF9DEF275B0}" type="datetimeFigureOut">
               <a:rPr lang="ko-KR" altLang="en-US" smtClean="0"/>
-              <a:t>2019-12-02</a:t>
+              <a:t>2019-12-20</a:t>
             </a:fld>
             <a:endParaRPr lang="ko-KR" altLang="en-US"/>
           </a:p>
@@ -1978,7 +1978,7 @@
           <a:p>
             <a:fld id="{FA6561B1-A93D-4399-81D0-0AF9DEF275B0}" type="datetimeFigureOut">
               <a:rPr lang="ko-KR" altLang="en-US" smtClean="0"/>
-              <a:t>2019-12-02</a:t>
+              <a:t>2019-12-20</a:t>
             </a:fld>
             <a:endParaRPr lang="ko-KR" altLang="en-US"/>
           </a:p>
@@ -2091,7 +2091,7 @@
           <a:p>
             <a:fld id="{FA6561B1-A93D-4399-81D0-0AF9DEF275B0}" type="datetimeFigureOut">
               <a:rPr lang="ko-KR" altLang="en-US" smtClean="0"/>
-              <a:t>2019-12-02</a:t>
+              <a:t>2019-12-20</a:t>
             </a:fld>
             <a:endParaRPr lang="ko-KR" altLang="en-US"/>
           </a:p>
@@ -2402,7 +2402,7 @@
           <a:p>
             <a:fld id="{FA6561B1-A93D-4399-81D0-0AF9DEF275B0}" type="datetimeFigureOut">
               <a:rPr lang="ko-KR" altLang="en-US" smtClean="0"/>
-              <a:t>2019-12-02</a:t>
+              <a:t>2019-12-20</a:t>
             </a:fld>
             <a:endParaRPr lang="ko-KR" altLang="en-US"/>
           </a:p>
@@ -2690,7 +2690,7 @@
           <a:p>
             <a:fld id="{FA6561B1-A93D-4399-81D0-0AF9DEF275B0}" type="datetimeFigureOut">
               <a:rPr lang="ko-KR" altLang="en-US" smtClean="0"/>
-              <a:t>2019-12-02</a:t>
+              <a:t>2019-12-20</a:t>
             </a:fld>
             <a:endParaRPr lang="ko-KR" altLang="en-US"/>
           </a:p>
@@ -2931,7 +2931,7 @@
           <a:p>
             <a:fld id="{FA6561B1-A93D-4399-81D0-0AF9DEF275B0}" type="datetimeFigureOut">
               <a:rPr lang="ko-KR" altLang="en-US" smtClean="0"/>
-              <a:t>2019-12-02</a:t>
+              <a:t>2019-12-20</a:t>
             </a:fld>
             <a:endParaRPr lang="ko-KR" altLang="en-US"/>
           </a:p>
@@ -11151,7 +11151,7 @@
             </a:pPr>
             <a:r>
               <a:rPr lang="ko-KR" altLang="en-US" sz="2200"/>
-              <a:t>일정 </a:t>
+              <a:t>일정   </a:t>
             </a:r>
             <a:endParaRPr lang="en-US" altLang="ko-KR" sz="2200"/>
           </a:p>
@@ -11162,7 +11162,7 @@
             </a:pPr>
             <a:r>
               <a:rPr lang="ko-KR" altLang="en-US" sz="2200"/>
-              <a:t>근황과 진척도</a:t>
+              <a:t>근황과 진척도  </a:t>
             </a:r>
           </a:p>
         </p:txBody>
